--- a/4Hour-Git-And-GitHub-Training.pptx
+++ b/4Hour-Git-And-GitHub-Training.pptx
@@ -249,7 +249,7 @@
           <a:p>
             <a:fld id="{8E40A6B4-8D20-EE4D-BF5B-C9004ACF6E6E}" type="datetimeFigureOut">
               <a:rPr lang="fr-FR" smtClean="0"/>
-              <a:t>6/5/13</a:t>
+              <a:t>6/6/13</a:t>
             </a:fld>
             <a:endParaRPr lang="fr-FR"/>
           </a:p>
@@ -415,7 +415,7 @@
           <a:p>
             <a:fld id="{9D456323-9590-BC4F-ADDE-664574C34CDA}" type="datetimeFigureOut">
               <a:rPr lang="fr-FR" smtClean="0"/>
-              <a:t>6/5/13</a:t>
+              <a:t>6/6/13</a:t>
             </a:fld>
             <a:endParaRPr lang="fr-FR"/>
           </a:p>
@@ -3120,10 +3120,6 @@
               </a:rPr>
               <a:t>:</a:t>
             </a:r>
-            <a:endParaRPr lang="en-US" sz="1900" dirty="0" smtClean="0">
-              <a:latin typeface="Helvetica Light"/>
-              <a:cs typeface="Helvetica Light"/>
-            </a:endParaRPr>
           </a:p>
           <a:p>
             <a:pPr lvl="2"/>
@@ -3498,6 +3494,13 @@
   <p:clrMapOvr>
     <a:masterClrMapping/>
   </p:clrMapOvr>
+  <p:timing>
+    <p:tnLst>
+      <p:par>
+        <p:cTn xmlns:p14="http://schemas.microsoft.com/office/powerpoint/2010/main" id="1" dur="indefinite" restart="never" nodeType="tmRoot"/>
+      </p:par>
+    </p:tnLst>
+  </p:timing>
 </p:sld>
 </file>
 
@@ -3568,11 +3571,7 @@
             </a:r>
             <a:r>
               <a:rPr lang="en-US" dirty="0" smtClean="0"/>
-              <a:t> file </a:t>
-            </a:r>
-            <a:r>
-              <a:rPr lang="en-US" dirty="0" smtClean="0"/>
-              <a:t>with some content</a:t>
+              <a:t> file with some content</a:t>
             </a:r>
           </a:p>
           <a:p>
@@ -3634,19 +3633,8 @@
                 <a:latin typeface="Monaco"/>
                 <a:cs typeface="Monaco"/>
               </a:rPr>
-              <a:t> </a:t>
-            </a:r>
-            <a:r>
-              <a:rPr lang="en-US" dirty="0" smtClean="0">
-                <a:latin typeface="Monaco"/>
-                <a:cs typeface="Monaco"/>
-              </a:rPr>
-              <a:t>commit</a:t>
-            </a:r>
-            <a:endParaRPr lang="en-US" dirty="0" smtClean="0">
-              <a:latin typeface="Monaco"/>
-              <a:cs typeface="Monaco"/>
-            </a:endParaRPr>
+              <a:t> commit</a:t>
+            </a:r>
           </a:p>
         </p:txBody>
       </p:sp>
@@ -4123,12 +4111,16 @@
               <a:t> add </a:t>
             </a:r>
             <a:r>
-              <a:rPr lang="en-US" sz="1400" dirty="0" smtClean="0">
-                <a:latin typeface="Monaco"/>
-                <a:cs typeface="Monaco"/>
-              </a:rPr>
-              <a:t>README</a:t>
-            </a:r>
+              <a:rPr lang="en-US" sz="1400" dirty="0" err="1" smtClean="0">
+                <a:latin typeface="Monaco"/>
+                <a:cs typeface="Monaco"/>
+              </a:rPr>
+              <a:t>index.html</a:t>
+            </a:r>
+            <a:endParaRPr lang="en-US" sz="1400" dirty="0" smtClean="0">
+              <a:latin typeface="Monaco"/>
+              <a:cs typeface="Monaco"/>
+            </a:endParaRPr>
           </a:p>
           <a:p>
             <a:r>
@@ -4274,8 +4266,25 @@
                 <a:latin typeface="Monaco"/>
                 <a:cs typeface="Monaco"/>
               </a:rPr>
-              <a:t>new file:   README</a:t>
-            </a:r>
+              <a:t>new file:   </a:t>
+            </a:r>
+            <a:r>
+              <a:rPr lang="en-US" sz="1400" dirty="0" err="1" smtClean="0">
+                <a:solidFill>
+                  <a:schemeClr val="accent1"/>
+                </a:solidFill>
+                <a:latin typeface="Monaco"/>
+                <a:cs typeface="Monaco"/>
+              </a:rPr>
+              <a:t>index.html</a:t>
+            </a:r>
+            <a:endParaRPr lang="en-US" sz="1400" dirty="0">
+              <a:solidFill>
+                <a:schemeClr val="accent1"/>
+              </a:solidFill>
+              <a:latin typeface="Monaco"/>
+              <a:cs typeface="Monaco"/>
+            </a:endParaRPr>
           </a:p>
           <a:p>
             <a:r>
@@ -4462,8 +4471,26 @@
                 <a:latin typeface="Monaco"/>
                 <a:cs typeface="Monaco"/>
               </a:rPr>
-              <a:t> commit -m "Adding README"</a:t>
-            </a:r>
+              <a:t> commit -m "Adding </a:t>
+            </a:r>
+            <a:r>
+              <a:rPr lang="en-US" sz="1400" dirty="0" err="1" smtClean="0">
+                <a:latin typeface="Monaco"/>
+                <a:cs typeface="Monaco"/>
+              </a:rPr>
+              <a:t>index.html</a:t>
+            </a:r>
+            <a:r>
+              <a:rPr lang="en-US" sz="1400" dirty="0" smtClean="0">
+                <a:latin typeface="Monaco"/>
+                <a:cs typeface="Monaco"/>
+              </a:rPr>
+              <a:t>"</a:t>
+            </a:r>
+            <a:endParaRPr lang="en-US" sz="1400" dirty="0">
+              <a:latin typeface="Monaco"/>
+              <a:cs typeface="Monaco"/>
+            </a:endParaRPr>
           </a:p>
           <a:p>
             <a:r>
@@ -4471,8 +4498,16 @@
                 <a:latin typeface="Monaco"/>
                 <a:cs typeface="Monaco"/>
               </a:rPr>
-              <a:t>[master (root-commit) dc95b92] Adding README</a:t>
-            </a:r>
+              <a:t>[master (root-commit) dc95b92] Adding </a:t>
+            </a:r>
+            <a:r>
+              <a:rPr lang="en-US" dirty="0" err="1" smtClean="0"/>
+              <a:t>index.html</a:t>
+            </a:r>
+            <a:endParaRPr lang="en-US" sz="1400" dirty="0">
+              <a:latin typeface="Monaco"/>
+              <a:cs typeface="Monaco"/>
+            </a:endParaRPr>
           </a:p>
           <a:p>
             <a:r>
@@ -4674,11 +4709,7 @@
             </a:r>
             <a:r>
               <a:rPr lang="en-US" dirty="0" smtClean="0"/>
-              <a:t> file </a:t>
-            </a:r>
-            <a:r>
-              <a:rPr lang="en-US" dirty="0" smtClean="0"/>
-              <a:t>again</a:t>
+              <a:t> file again</a:t>
             </a:r>
           </a:p>
           <a:p>
@@ -5464,11 +5495,7 @@
             </a:r>
             <a:r>
               <a:rPr lang="en-US" dirty="0" smtClean="0"/>
-              <a:t> file </a:t>
-            </a:r>
-            <a:r>
-              <a:rPr lang="en-US" dirty="0" smtClean="0"/>
-              <a:t>again</a:t>
+              <a:t> file again</a:t>
             </a:r>
           </a:p>
           <a:p>
@@ -5574,11 +5601,7 @@
             </a:r>
             <a:r>
               <a:rPr lang="fr-FR" dirty="0" err="1" smtClean="0"/>
-              <a:t>slide</a:t>
-            </a:r>
-            <a:r>
-              <a:rPr lang="fr-FR" dirty="0" err="1" smtClean="0"/>
-              <a:t>deck</a:t>
+              <a:t>slidedeck</a:t>
             </a:r>
             <a:endParaRPr lang="fr-FR" dirty="0"/>
           </a:p>
@@ -7341,11 +7364,7 @@
           <a:p>
             <a:r>
               <a:rPr lang="en-US" dirty="0" smtClean="0"/>
-              <a:t>Add </a:t>
-            </a:r>
-            <a:r>
-              <a:rPr lang="en-US" dirty="0" smtClean="0"/>
-              <a:t>an </a:t>
+              <a:t>Add an </a:t>
             </a:r>
             <a:r>
               <a:rPr lang="en-US" dirty="0" err="1" smtClean="0"/>
@@ -7360,15 +7379,7 @@
             <a:pPr lvl="1"/>
             <a:r>
               <a:rPr lang="en-US" dirty="0" smtClean="0"/>
-              <a:t>Add </a:t>
-            </a:r>
-            <a:r>
-              <a:rPr lang="en-US" dirty="0" smtClean="0"/>
-              <a:t>a photo of </a:t>
-            </a:r>
-            <a:r>
-              <a:rPr lang="en-US" dirty="0" smtClean="0"/>
-              <a:t>you</a:t>
+              <a:t>Add a photo of you</a:t>
             </a:r>
           </a:p>
           <a:p>
@@ -7385,19 +7396,14 @@
               <a:rPr lang="en-US" dirty="0" smtClean="0"/>
               <a:t>t forget to commit the photo too!</a:t>
             </a:r>
+          </a:p>
+          <a:p>
             <a:endParaRPr lang="en-US" dirty="0" smtClean="0"/>
           </a:p>
           <a:p>
-            <a:endParaRPr lang="en-US" dirty="0" smtClean="0"/>
-          </a:p>
-          <a:p>
-            <a:r>
-              <a:rPr lang="en-US" dirty="0" smtClean="0"/>
-              <a:t>Commit</a:t>
-            </a:r>
-            <a:r>
-              <a:rPr lang="en-US" dirty="0" smtClean="0"/>
-              <a:t>!</a:t>
+            <a:r>
+              <a:rPr lang="en-US" dirty="0" smtClean="0"/>
+              <a:t>Commit!</a:t>
             </a:r>
             <a:endParaRPr lang="en-US" dirty="0"/>
           </a:p>
@@ -7486,11 +7492,7 @@
             </a:r>
             <a:r>
               <a:rPr lang="en-US" dirty="0" smtClean="0"/>
-              <a:t> </a:t>
-            </a:r>
-            <a:r>
-              <a:rPr lang="en-US" dirty="0" smtClean="0"/>
-              <a:t>Basics</a:t>
+              <a:t> Basics</a:t>
             </a:r>
             <a:endParaRPr lang="en-US" dirty="0"/>
           </a:p>
@@ -7788,20 +7790,50 @@
                 <a:latin typeface="Monaco"/>
                 <a:cs typeface="Monaco"/>
               </a:rPr>
-              <a:t> branch </a:t>
+              <a:t> branch add-</a:t>
+            </a:r>
+            <a:r>
+              <a:rPr lang="en-US" sz="1400" dirty="0" err="1" smtClean="0">
+                <a:latin typeface="Monaco"/>
+                <a:cs typeface="Monaco"/>
+              </a:rPr>
+              <a:t>jquery</a:t>
             </a:r>
             <a:r>
               <a:rPr lang="en-US" sz="1400" dirty="0" smtClean="0">
                 <a:latin typeface="Monaco"/>
                 <a:cs typeface="Monaco"/>
               </a:rPr>
-              <a:t>add-</a:t>
+              <a:t>					# Creates a new branch</a:t>
+            </a:r>
+          </a:p>
+          <a:p>
+            <a:r>
+              <a:rPr lang="en-US" sz="1400" dirty="0" smtClean="0">
+                <a:latin typeface="Monaco"/>
+                <a:cs typeface="Monaco"/>
+              </a:rPr>
+              <a:t>$ </a:t>
             </a:r>
             <a:r>
               <a:rPr lang="en-US" sz="1400" dirty="0" err="1" smtClean="0">
                 <a:latin typeface="Monaco"/>
                 <a:cs typeface="Monaco"/>
               </a:rPr>
+              <a:t>git</a:t>
+            </a:r>
+            <a:r>
+              <a:rPr lang="en-US" sz="1400" dirty="0" smtClean="0">
+                <a:latin typeface="Monaco"/>
+                <a:cs typeface="Monaco"/>
+              </a:rPr>
+              <a:t> checkout add-</a:t>
+            </a:r>
+            <a:r>
+              <a:rPr lang="en-US" sz="1400" dirty="0" err="1" smtClean="0">
+                <a:latin typeface="Monaco"/>
+                <a:cs typeface="Monaco"/>
+              </a:rPr>
               <a:t>jquery</a:t>
             </a:r>
             <a:r>
@@ -7809,65 +7841,7 @@
                 <a:latin typeface="Monaco"/>
                 <a:cs typeface="Monaco"/>
               </a:rPr>
-              <a:t>		</a:t>
-            </a:r>
-            <a:r>
-              <a:rPr lang="en-US" sz="1400" dirty="0" smtClean="0">
-                <a:latin typeface="Monaco"/>
-                <a:cs typeface="Monaco"/>
-              </a:rPr>
-              <a:t>			# Creates a new branch</a:t>
-            </a:r>
-          </a:p>
-          <a:p>
-            <a:r>
-              <a:rPr lang="en-US" sz="1400" dirty="0" smtClean="0">
-                <a:latin typeface="Monaco"/>
-                <a:cs typeface="Monaco"/>
-              </a:rPr>
-              <a:t>$ </a:t>
-            </a:r>
-            <a:r>
-              <a:rPr lang="en-US" sz="1400" dirty="0" err="1" smtClean="0">
-                <a:latin typeface="Monaco"/>
-                <a:cs typeface="Monaco"/>
-              </a:rPr>
-              <a:t>git</a:t>
-            </a:r>
-            <a:r>
-              <a:rPr lang="en-US" sz="1400" dirty="0" smtClean="0">
-                <a:latin typeface="Monaco"/>
-                <a:cs typeface="Monaco"/>
-              </a:rPr>
-              <a:t> checkout </a:t>
-            </a:r>
-            <a:r>
-              <a:rPr lang="en-US" sz="1400" dirty="0" smtClean="0">
-                <a:latin typeface="Monaco"/>
-                <a:cs typeface="Monaco"/>
-              </a:rPr>
-              <a:t>add-</a:t>
-            </a:r>
-            <a:r>
-              <a:rPr lang="en-US" sz="1400" dirty="0" err="1" smtClean="0">
-                <a:latin typeface="Monaco"/>
-                <a:cs typeface="Monaco"/>
-              </a:rPr>
-              <a:t>jquery</a:t>
-            </a:r>
-            <a:r>
-              <a:rPr lang="en-US" sz="1400" dirty="0" smtClean="0">
-                <a:latin typeface="Monaco"/>
-                <a:cs typeface="Monaco"/>
-              </a:rPr>
-              <a:t>			</a:t>
-            </a:r>
-            <a:r>
-              <a:rPr lang="en-US" sz="1400" dirty="0" smtClean="0">
-                <a:latin typeface="Monaco"/>
-                <a:cs typeface="Monaco"/>
-              </a:rPr>
-              <a:t>		# Switches to the new branch</a:t>
+              <a:t>					# Switches to the new branch</a:t>
             </a:r>
           </a:p>
           <a:p>
@@ -7956,20 +7930,50 @@
                 <a:latin typeface="Monaco"/>
                 <a:cs typeface="Monaco"/>
               </a:rPr>
-              <a:t> merge </a:t>
+              <a:t> merge add-</a:t>
+            </a:r>
+            <a:r>
+              <a:rPr lang="en-US" sz="1400" dirty="0" err="1" smtClean="0">
+                <a:latin typeface="Monaco"/>
+                <a:cs typeface="Monaco"/>
+              </a:rPr>
+              <a:t>jquery</a:t>
             </a:r>
             <a:r>
               <a:rPr lang="en-US" sz="1400" dirty="0" smtClean="0">
                 <a:latin typeface="Monaco"/>
                 <a:cs typeface="Monaco"/>
               </a:rPr>
-              <a:t>add-</a:t>
+              <a:t>					# Merges the branch into current</a:t>
+            </a:r>
+          </a:p>
+          <a:p>
+            <a:r>
+              <a:rPr lang="en-US" sz="1400" dirty="0" smtClean="0">
+                <a:latin typeface="Monaco"/>
+                <a:cs typeface="Monaco"/>
+              </a:rPr>
+              <a:t>$ </a:t>
             </a:r>
             <a:r>
               <a:rPr lang="en-US" sz="1400" dirty="0" err="1" smtClean="0">
                 <a:latin typeface="Monaco"/>
                 <a:cs typeface="Monaco"/>
               </a:rPr>
+              <a:t>git</a:t>
+            </a:r>
+            <a:r>
+              <a:rPr lang="en-US" sz="1400" dirty="0" smtClean="0">
+                <a:latin typeface="Monaco"/>
+                <a:cs typeface="Monaco"/>
+              </a:rPr>
+              <a:t> branch –d add-</a:t>
+            </a:r>
+            <a:r>
+              <a:rPr lang="en-US" sz="1400" dirty="0" err="1" smtClean="0">
+                <a:latin typeface="Monaco"/>
+                <a:cs typeface="Monaco"/>
+              </a:rPr>
               <a:t>jquery</a:t>
             </a:r>
             <a:r>
@@ -7977,65 +7981,7 @@
                 <a:latin typeface="Monaco"/>
                 <a:cs typeface="Monaco"/>
               </a:rPr>
-              <a:t>		</a:t>
-            </a:r>
-            <a:r>
-              <a:rPr lang="en-US" sz="1400" dirty="0" smtClean="0">
-                <a:latin typeface="Monaco"/>
-                <a:cs typeface="Monaco"/>
-              </a:rPr>
-              <a:t>			# Merges the branch into current</a:t>
-            </a:r>
-          </a:p>
-          <a:p>
-            <a:r>
-              <a:rPr lang="en-US" sz="1400" dirty="0" smtClean="0">
-                <a:latin typeface="Monaco"/>
-                <a:cs typeface="Monaco"/>
-              </a:rPr>
-              <a:t>$ </a:t>
-            </a:r>
-            <a:r>
-              <a:rPr lang="en-US" sz="1400" dirty="0" err="1" smtClean="0">
-                <a:latin typeface="Monaco"/>
-                <a:cs typeface="Monaco"/>
-              </a:rPr>
-              <a:t>git</a:t>
-            </a:r>
-            <a:r>
-              <a:rPr lang="en-US" sz="1400" dirty="0" smtClean="0">
-                <a:latin typeface="Monaco"/>
-                <a:cs typeface="Monaco"/>
-              </a:rPr>
-              <a:t> branch –d </a:t>
-            </a:r>
-            <a:r>
-              <a:rPr lang="en-US" sz="1400" dirty="0" smtClean="0">
-                <a:latin typeface="Monaco"/>
-                <a:cs typeface="Monaco"/>
-              </a:rPr>
-              <a:t>add-</a:t>
-            </a:r>
-            <a:r>
-              <a:rPr lang="en-US" sz="1400" dirty="0" err="1" smtClean="0">
-                <a:latin typeface="Monaco"/>
-                <a:cs typeface="Monaco"/>
-              </a:rPr>
-              <a:t>jquery</a:t>
-            </a:r>
-            <a:r>
-              <a:rPr lang="en-US" sz="1400" dirty="0" smtClean="0">
-                <a:latin typeface="Monaco"/>
-                <a:cs typeface="Monaco"/>
-              </a:rPr>
-              <a:t>		</a:t>
-            </a:r>
-            <a:r>
-              <a:rPr lang="en-US" sz="1400" dirty="0" smtClean="0">
-                <a:latin typeface="Monaco"/>
-                <a:cs typeface="Monaco"/>
-              </a:rPr>
-              <a:t>		# Deletes a branch</a:t>
+              <a:t>				# Deletes a branch</a:t>
             </a:r>
           </a:p>
           <a:p>
@@ -8567,7 +8513,6 @@
               <a:rPr lang="en-US" dirty="0" smtClean="0"/>
               <a:t> to your page</a:t>
             </a:r>
-            <a:endParaRPr lang="en-US" dirty="0" smtClean="0"/>
           </a:p>
           <a:p>
             <a:pPr lvl="1"/>
@@ -8626,9 +8571,6 @@
               </a:rPr>
               <a:t>Switch from one version to the other</a:t>
             </a:r>
-            <a:endParaRPr lang="en-US" dirty="0" smtClean="0">
-              <a:cs typeface="Monaco"/>
-            </a:endParaRPr>
           </a:p>
           <a:p>
             <a:pPr lvl="1"/>
@@ -8658,14 +8600,7 @@
                 <a:latin typeface="Monaco"/>
                 <a:cs typeface="Monaco"/>
               </a:rPr>
-              <a:t> checkout </a:t>
-            </a:r>
-            <a:r>
-              <a:rPr lang="en-US" sz="1500" dirty="0" smtClean="0">
-                <a:latin typeface="Monaco"/>
-                <a:cs typeface="Monaco"/>
-              </a:rPr>
-              <a:t>add-</a:t>
+              <a:t> checkout add-</a:t>
             </a:r>
             <a:r>
               <a:rPr lang="en-US" sz="1500" dirty="0" err="1" smtClean="0">
@@ -8789,11 +8724,7 @@
             </a:r>
             <a:r>
               <a:rPr lang="en-US" dirty="0" smtClean="0"/>
-              <a:t> </a:t>
-            </a:r>
-            <a:r>
-              <a:rPr lang="en-US" dirty="0" smtClean="0"/>
-              <a:t>basics</a:t>
+              <a:t> basics</a:t>
             </a:r>
           </a:p>
           <a:p>
@@ -8832,7 +8763,6 @@
               <a:rPr lang="en-US" dirty="0" smtClean="0"/>
               <a:t> pages, issues and pull-requests</a:t>
             </a:r>
-            <a:endParaRPr lang="en-US" dirty="0" smtClean="0"/>
           </a:p>
         </p:txBody>
       </p:sp>
@@ -9249,15 +9179,7 @@
           <a:p>
             <a:r>
               <a:rPr lang="en-US" dirty="0" smtClean="0"/>
-              <a:t>Exercise </a:t>
-            </a:r>
-            <a:r>
-              <a:rPr lang="en-US" dirty="0" smtClean="0"/>
-              <a:t>#4 </a:t>
-            </a:r>
-            <a:r>
-              <a:rPr lang="en-US" dirty="0" smtClean="0"/>
-              <a:t>- Merging</a:t>
+              <a:t>Exercise #4 - Merging</a:t>
             </a:r>
             <a:endParaRPr lang="en-US" dirty="0"/>
           </a:p>
@@ -9433,15 +9355,7 @@
             <a:pPr algn="ctr"/>
             <a:r>
               <a:rPr lang="en-US" dirty="0" smtClean="0"/>
-              <a:t>Master</a:t>
-            </a:r>
-            <a:r>
-              <a:rPr lang="en-US" dirty="0" smtClean="0"/>
-              <a:t>#</a:t>
-            </a:r>
-            <a:r>
-              <a:rPr lang="en-US" dirty="0" smtClean="0"/>
-              <a:t>5 (My homepage)</a:t>
+              <a:t>Master#5 (My homepage)</a:t>
             </a:r>
             <a:endParaRPr lang="en-US" dirty="0"/>
           </a:p>
@@ -11640,11 +11554,7 @@
           <a:p>
             <a:r>
               <a:rPr lang="fr-FR" dirty="0" smtClean="0"/>
-              <a:t>Git </a:t>
-            </a:r>
-            <a:r>
-              <a:rPr lang="fr-FR" dirty="0" smtClean="0"/>
-              <a:t>Basics</a:t>
+              <a:t>Git Basics</a:t>
             </a:r>
             <a:br>
               <a:rPr lang="fr-FR" dirty="0" smtClean="0"/>
@@ -12482,8 +12392,28 @@
           <a:lstStyle/>
           <a:p>
             <a:r>
-              <a:rPr lang="en-US" dirty="0" smtClean="0"/>
-              <a:t>Working on an existing project</a:t>
+              <a:rPr lang="en-US" dirty="0" err="1" smtClean="0"/>
+              <a:t>Exercice</a:t>
+            </a:r>
+            <a:r>
+              <a:rPr lang="en-US" dirty="0" smtClean="0"/>
+              <a:t>: </a:t>
+            </a:r>
+            <a:r>
+              <a:rPr lang="en-US" dirty="0" smtClean="0"/>
+              <a:t>Work </a:t>
+            </a:r>
+            <a:r>
+              <a:rPr lang="en-US" dirty="0" smtClean="0"/>
+              <a:t>on </a:t>
+            </a:r>
+            <a:r>
+              <a:rPr lang="en-US" dirty="0" smtClean="0"/>
+              <a:t>existing </a:t>
+            </a:r>
+            <a:r>
+              <a:rPr lang="en-US" dirty="0" smtClean="0"/>
+              <a:t>project</a:t>
             </a:r>
             <a:endParaRPr lang="en-US" dirty="0"/>
           </a:p>
@@ -14102,11 +14032,7 @@
           <a:p>
             <a:r>
               <a:rPr lang="en-US" dirty="0" smtClean="0"/>
-              <a:t>Final </a:t>
-            </a:r>
-            <a:r>
-              <a:rPr lang="en-US" dirty="0" smtClean="0"/>
-              <a:t>Exercise</a:t>
+              <a:t>Final Exercise</a:t>
             </a:r>
             <a:endParaRPr lang="en-US" dirty="0"/>
           </a:p>
@@ -14236,15 +14162,7 @@
           <a:p>
             <a:r>
               <a:rPr lang="en-US" dirty="0" smtClean="0"/>
-              <a:t>There is a </a:t>
-            </a:r>
-            <a:r>
-              <a:rPr lang="en-US" dirty="0" smtClean="0"/>
-              <a:t>TRAINING </a:t>
-            </a:r>
-            <a:r>
-              <a:rPr lang="en-US" dirty="0" smtClean="0"/>
-              <a:t>file in this project</a:t>
+              <a:t>There is a TRAINING file in this project</a:t>
             </a:r>
           </a:p>
           <a:p>
@@ -14304,19 +14222,7 @@
             <a:pPr lvl="1"/>
             <a:r>
               <a:rPr lang="en-US" dirty="0" smtClean="0"/>
-              <a:t>Create an issue and ask </a:t>
-            </a:r>
-            <a:r>
-              <a:rPr lang="en-US" dirty="0" smtClean="0"/>
-              <a:t>me</a:t>
-            </a:r>
-            <a:r>
-              <a:rPr lang="en-US" dirty="0" smtClean="0"/>
-              <a:t> </a:t>
-            </a:r>
-            <a:r>
-              <a:rPr lang="en-US" dirty="0" smtClean="0"/>
-              <a:t>to add you in the list</a:t>
+              <a:t>Create an issue and ask me to add you in the list</a:t>
             </a:r>
           </a:p>
         </p:txBody>
@@ -14794,6 +14700,13 @@
   <p:clrMapOvr>
     <a:masterClrMapping/>
   </p:clrMapOvr>
+  <p:timing>
+    <p:tnLst>
+      <p:par>
+        <p:cTn xmlns:p14="http://schemas.microsoft.com/office/powerpoint/2010/main" id="1" dur="indefinite" restart="never" nodeType="tmRoot"/>
+      </p:par>
+    </p:tnLst>
+  </p:timing>
 </p:sld>
 </file>
 
@@ -15281,6 +15194,13 @@
   <p:clrMapOvr>
     <a:masterClrMapping/>
   </p:clrMapOvr>
+  <p:timing>
+    <p:tnLst>
+      <p:par>
+        <p:cTn xmlns:p14="http://schemas.microsoft.com/office/powerpoint/2010/main" id="1" dur="indefinite" restart="never" nodeType="tmRoot"/>
+      </p:par>
+    </p:tnLst>
+  </p:timing>
 </p:sld>
 </file>
 
@@ -15320,11 +15240,7 @@
           <a:p>
             <a:r>
               <a:rPr lang="fr-FR" dirty="0" smtClean="0"/>
-              <a:t>Git </a:t>
-            </a:r>
-            <a:r>
-              <a:rPr lang="fr-FR" dirty="0" smtClean="0"/>
-              <a:t>Basics</a:t>
+              <a:t>Git Basics</a:t>
             </a:r>
             <a:endParaRPr lang="fr-FR" dirty="0"/>
           </a:p>
